--- a/Photoelectric effect.pptx
+++ b/Photoelectric effect.pptx
@@ -210,7 +210,7 @@
           <a:p>
             <a:fld id="{FC296240-670F-3A4D-842C-C45A721E1F88}" type="datetimeFigureOut">
               <a:rPr lang="en-US" smtClean="0"/>
-              <a:t>11/14/2018</a:t>
+              <a:t>11/15/2018</a:t>
             </a:fld>
             <a:endParaRPr lang="en-US"/>
           </a:p>
@@ -607,7 +607,21 @@
           <a:p>
             <a:r>
               <a:rPr lang="en-US" dirty="0" smtClean="0"/>
-              <a:t>to be more easier in understanding about photoelectric effect</a:t>
+              <a:t>to be more easier in understanding about photoelectric </a:t>
+            </a:r>
+            <a:r>
+              <a:rPr lang="en-US" dirty="0" smtClean="0"/>
+              <a:t>effect, please look</a:t>
+            </a:r>
+            <a:r>
+              <a:rPr lang="en-US" baseline="0" dirty="0" smtClean="0"/>
+              <a:t> at on this slide. I will show you how does the photoelectric effect work</a:t>
+            </a:r>
+          </a:p>
+          <a:p>
+            <a:r>
+              <a:rPr lang="en-US" baseline="0" dirty="0" smtClean="0"/>
+              <a:t>The light from the specific source such as lamb or sun … hit the </a:t>
             </a:r>
             <a:endParaRPr lang="en-US" dirty="0"/>
           </a:p>
@@ -881,8 +895,163 @@
           <a:lstStyle/>
           <a:p>
             <a:r>
-              <a:rPr lang="en-US" dirty="0" smtClean="0"/>
-              <a:t>to be more easier in understanding about photoelectric effect</a:t>
+              <a:rPr lang="en-US" sz="1200" b="0" i="0" kern="1200" dirty="0" smtClean="0">
+                <a:solidFill>
+                  <a:schemeClr val="tx1"/>
+                </a:solidFill>
+                <a:effectLst/>
+                <a:latin typeface="+mn-lt"/>
+                <a:ea typeface="+mn-ea"/>
+                <a:cs typeface="+mn-cs"/>
+              </a:rPr>
+              <a:t>A </a:t>
+            </a:r>
+            <a:r>
+              <a:rPr lang="en-US" sz="1200" b="1" i="0" kern="1200" dirty="0" smtClean="0">
+                <a:solidFill>
+                  <a:schemeClr val="tx1"/>
+                </a:solidFill>
+                <a:effectLst/>
+                <a:latin typeface="+mn-lt"/>
+                <a:ea typeface="+mn-ea"/>
+                <a:cs typeface="+mn-cs"/>
+              </a:rPr>
+              <a:t>photodiode</a:t>
+            </a:r>
+            <a:r>
+              <a:rPr lang="en-US" sz="1200" b="0" i="0" kern="1200" dirty="0" smtClean="0">
+                <a:solidFill>
+                  <a:schemeClr val="tx1"/>
+                </a:solidFill>
+                <a:effectLst/>
+                <a:latin typeface="+mn-lt"/>
+                <a:ea typeface="+mn-ea"/>
+                <a:cs typeface="+mn-cs"/>
+              </a:rPr>
+              <a:t> is a semiconductor device that converts </a:t>
+            </a:r>
+            <a:r>
+              <a:rPr lang="en-US" sz="1200" b="0" i="0" u="none" strike="noStrike" kern="1200" dirty="0" smtClean="0">
+                <a:solidFill>
+                  <a:schemeClr val="tx1"/>
+                </a:solidFill>
+                <a:effectLst/>
+                <a:latin typeface="+mn-lt"/>
+                <a:ea typeface="+mn-ea"/>
+                <a:cs typeface="+mn-cs"/>
+                <a:hlinkClick r:id="rId3" tooltip="Light"/>
+              </a:rPr>
+              <a:t>light</a:t>
+            </a:r>
+            <a:r>
+              <a:rPr lang="en-US" sz="1200" b="0" i="0" kern="1200" dirty="0" smtClean="0">
+                <a:solidFill>
+                  <a:schemeClr val="tx1"/>
+                </a:solidFill>
+                <a:effectLst/>
+                <a:latin typeface="+mn-lt"/>
+                <a:ea typeface="+mn-ea"/>
+                <a:cs typeface="+mn-cs"/>
+              </a:rPr>
+              <a:t> into an </a:t>
+            </a:r>
+            <a:r>
+              <a:rPr lang="en-US" sz="1200" b="0" i="0" u="none" strike="noStrike" kern="1200" dirty="0" smtClean="0">
+                <a:solidFill>
+                  <a:schemeClr val="tx1"/>
+                </a:solidFill>
+                <a:effectLst/>
+                <a:latin typeface="+mn-lt"/>
+                <a:ea typeface="+mn-ea"/>
+                <a:cs typeface="+mn-cs"/>
+                <a:hlinkClick r:id="rId4" tooltip="Electric current"/>
+              </a:rPr>
+              <a:t>electrical current</a:t>
+            </a:r>
+            <a:r>
+              <a:rPr lang="en-US" sz="1200" b="0" i="0" kern="1200" dirty="0" smtClean="0">
+                <a:solidFill>
+                  <a:schemeClr val="tx1"/>
+                </a:solidFill>
+                <a:effectLst/>
+                <a:latin typeface="+mn-lt"/>
+                <a:ea typeface="+mn-ea"/>
+                <a:cs typeface="+mn-cs"/>
+              </a:rPr>
+              <a:t>. The current is generated when photons are absorbed in the photodiode</a:t>
+            </a:r>
+            <a:endParaRPr lang="en-US" sz="1200" b="1" i="0" kern="1200" dirty="0" smtClean="0">
+              <a:solidFill>
+                <a:schemeClr val="tx1"/>
+              </a:solidFill>
+              <a:effectLst/>
+              <a:latin typeface="+mn-lt"/>
+              <a:ea typeface="+mn-ea"/>
+              <a:cs typeface="+mn-cs"/>
+            </a:endParaRPr>
+          </a:p>
+          <a:p>
+            <a:r>
+              <a:rPr lang="en-US" sz="1200" b="1" i="0" kern="1200" dirty="0" smtClean="0">
+                <a:solidFill>
+                  <a:schemeClr val="tx1"/>
+                </a:solidFill>
+                <a:effectLst/>
+                <a:latin typeface="+mn-lt"/>
+                <a:ea typeface="+mn-ea"/>
+                <a:cs typeface="+mn-cs"/>
+              </a:rPr>
+              <a:t>Solar cell </a:t>
+            </a:r>
+            <a:r>
+              <a:rPr lang="en-US" sz="1200" b="0" i="0" kern="1200" dirty="0" smtClean="0">
+                <a:solidFill>
+                  <a:schemeClr val="tx1"/>
+                </a:solidFill>
+                <a:effectLst/>
+                <a:latin typeface="+mn-lt"/>
+                <a:ea typeface="+mn-ea"/>
+                <a:cs typeface="+mn-cs"/>
+              </a:rPr>
+              <a:t>- a device converting solar radiation into electricity.</a:t>
+            </a:r>
+          </a:p>
+          <a:p>
+            <a:r>
+              <a:rPr lang="en-US" sz="1200" b="0" i="0" kern="1200" dirty="0" smtClean="0">
+                <a:solidFill>
+                  <a:schemeClr val="tx1"/>
+                </a:solidFill>
+                <a:effectLst/>
+                <a:latin typeface="+mn-lt"/>
+                <a:ea typeface="+mn-ea"/>
+                <a:cs typeface="+mn-cs"/>
+              </a:rPr>
+              <a:t>Typically, when light strikes the lens of a camera, the </a:t>
+            </a:r>
+            <a:r>
+              <a:rPr lang="en-US" sz="1200" b="1" i="0" kern="1200" dirty="0" smtClean="0">
+                <a:solidFill>
+                  <a:schemeClr val="tx1"/>
+                </a:solidFill>
+                <a:effectLst/>
+                <a:latin typeface="+mn-lt"/>
+                <a:ea typeface="+mn-ea"/>
+                <a:cs typeface="+mn-cs"/>
+              </a:rPr>
+              <a:t>image sensor </a:t>
+            </a:r>
+            <a:r>
+              <a:rPr lang="en-US" sz="1200" b="0" i="0" kern="1200" dirty="0" smtClean="0">
+                <a:solidFill>
+                  <a:schemeClr val="tx1"/>
+                </a:solidFill>
+                <a:effectLst/>
+                <a:latin typeface="+mn-lt"/>
+                <a:ea typeface="+mn-ea"/>
+                <a:cs typeface="+mn-cs"/>
+              </a:rPr>
+              <a:t>captures that light, converts it into an electronic signal and then transmits it to the camera or imaging device processor, which transforms the electronic signal into a digital image. </a:t>
             </a:r>
             <a:endParaRPr lang="en-US" dirty="0"/>
           </a:p>
@@ -1567,7 +1736,7 @@
           <a:p>
             <a:fld id="{892E68CF-75D1-B948-A8E4-F1D36893A5D7}" type="datetime1">
               <a:rPr lang="en-US" smtClean="0"/>
-              <a:t>11/14/2018</a:t>
+              <a:t>11/15/2018</a:t>
             </a:fld>
             <a:endParaRPr lang="en-US"/>
           </a:p>
@@ -1753,7 +1922,7 @@
           <a:p>
             <a:fld id="{2466E06E-3195-C444-9570-D8CACB2ADBF9}" type="datetime1">
               <a:rPr lang="en-US" smtClean="0"/>
-              <a:t>11/14/2018</a:t>
+              <a:t>11/15/2018</a:t>
             </a:fld>
             <a:endParaRPr lang="en-US"/>
           </a:p>
@@ -1949,7 +2118,7 @@
           <a:p>
             <a:fld id="{E61B25D2-073E-9A47-A4FE-FE2D043E8B8C}" type="datetime1">
               <a:rPr lang="en-US" smtClean="0"/>
-              <a:t>11/14/2018</a:t>
+              <a:t>11/15/2018</a:t>
             </a:fld>
             <a:endParaRPr lang="en-US"/>
           </a:p>
@@ -2592,7 +2761,7 @@
           <a:p>
             <a:fld id="{A4FC4001-555C-C444-AE8B-977AF2AC1786}" type="datetime1">
               <a:rPr lang="en-US" smtClean="0"/>
-              <a:t>11/14/2018</a:t>
+              <a:t>11/15/2018</a:t>
             </a:fld>
             <a:endParaRPr lang="en-US" dirty="0"/>
           </a:p>
@@ -2868,7 +3037,7 @@
           <a:p>
             <a:fld id="{63B3560D-905E-914A-9D0B-A79E799F5F59}" type="datetime1">
               <a:rPr lang="en-US" smtClean="0"/>
-              <a:t>11/14/2018</a:t>
+              <a:t>11/15/2018</a:t>
             </a:fld>
             <a:endParaRPr lang="en-US"/>
           </a:p>
@@ -3116,7 +3285,7 @@
           <a:p>
             <a:fld id="{35245F20-185A-E643-ABB8-9C574A71A7AC}" type="datetime1">
               <a:rPr lang="en-US" smtClean="0"/>
-              <a:t>11/14/2018</a:t>
+              <a:t>11/15/2018</a:t>
             </a:fld>
             <a:endParaRPr lang="en-US"/>
           </a:p>
@@ -3499,7 +3668,7 @@
           <a:p>
             <a:fld id="{A1C6E42E-F505-BC4A-B0DB-9BE7F59071FA}" type="datetime1">
               <a:rPr lang="en-US" smtClean="0"/>
-              <a:t>11/14/2018</a:t>
+              <a:t>11/15/2018</a:t>
             </a:fld>
             <a:endParaRPr lang="en-US"/>
           </a:p>
@@ -3633,7 +3802,7 @@
           <a:p>
             <a:fld id="{64E3C3E3-2FE7-2C4D-A9D0-A4F150F05C62}" type="datetime1">
               <a:rPr lang="en-US" smtClean="0"/>
-              <a:t>11/14/2018</a:t>
+              <a:t>11/15/2018</a:t>
             </a:fld>
             <a:endParaRPr lang="en-US"/>
           </a:p>
@@ -3751,7 +3920,7 @@
           <a:p>
             <a:fld id="{B7BE0F74-DB4D-2649-B051-F7E83A033A9E}" type="datetime1">
               <a:rPr lang="en-US" smtClean="0"/>
-              <a:t>11/14/2018</a:t>
+              <a:t>11/15/2018</a:t>
             </a:fld>
             <a:endParaRPr lang="en-US"/>
           </a:p>
@@ -4044,7 +4213,7 @@
           <a:p>
             <a:fld id="{559E3AD2-0A61-CE49-9896-C805E1B580E8}" type="datetime1">
               <a:rPr lang="en-US" smtClean="0"/>
-              <a:t>11/14/2018</a:t>
+              <a:t>11/15/2018</a:t>
             </a:fld>
             <a:endParaRPr lang="en-US"/>
           </a:p>
@@ -4404,7 +4573,7 @@
           <p:cNvPr id="4" name="Footer Placeholder 3">
             <a:extLst>
               <a:ext uri="{FF2B5EF4-FFF2-40B4-BE49-F238E27FC236}">
-                <a16:creationId xmlns:a16="http://schemas.microsoft.com/office/drawing/2014/main" xmlns="" id="{E7E37151-A86D-244A-B56B-7FDC3C7E47D4}"/>
+                <a16:creationId xmlns="" xmlns:a16="http://schemas.microsoft.com/office/drawing/2014/main" id="{E7E37151-A86D-244A-B56B-7FDC3C7E47D4}"/>
               </a:ext>
             </a:extLst>
           </p:cNvPr>
@@ -4852,7 +5021,7 @@
           <p:cNvPr id="4" name="Footer Placeholder 3">
             <a:extLst>
               <a:ext uri="{FF2B5EF4-FFF2-40B4-BE49-F238E27FC236}">
-                <a16:creationId xmlns:a16="http://schemas.microsoft.com/office/drawing/2014/main" xmlns="" id="{647F417E-7B9D-CC46-A06C-DC1D8ABEFDB3}"/>
+                <a16:creationId xmlns="" xmlns:a16="http://schemas.microsoft.com/office/drawing/2014/main" id="{647F417E-7B9D-CC46-A06C-DC1D8ABEFDB3}"/>
               </a:ext>
             </a:extLst>
           </p:cNvPr>
@@ -4951,7 +5120,6 @@
               <a:rPr lang="en-US" dirty="0"/>
               <a:t>Mechanism</a:t>
             </a:r>
-            <a:endParaRPr lang="en-US" dirty="0"/>
           </a:p>
         </p:txBody>
       </p:sp>
@@ -5786,6 +5954,144 @@
           </a:p>
         </p:txBody>
       </p:sp>
+      <p:sp>
+        <p:nvSpPr>
+          <p:cNvPr id="3" name="TextBox 2"/>
+          <p:cNvSpPr txBox="1"/>
+          <p:nvPr/>
+        </p:nvSpPr>
+        <p:spPr>
+          <a:xfrm>
+            <a:off x="3271101" y="5513208"/>
+            <a:ext cx="3183692" cy="369332"/>
+          </a:xfrm>
+          <a:prstGeom prst="rect">
+            <a:avLst/>
+          </a:prstGeom>
+          <a:noFill/>
+        </p:spPr>
+        <p:txBody>
+          <a:bodyPr wrap="none" rtlCol="0">
+            <a:spAutoFit/>
+          </a:bodyPr>
+          <a:lstStyle/>
+          <a:p>
+            <a:r>
+              <a:rPr lang="en-US" dirty="0">
+                <a:solidFill>
+                  <a:srgbClr val="FF0000"/>
+                </a:solidFill>
+              </a:rPr>
+              <a:t>p</a:t>
+            </a:r>
+            <a:r>
+              <a:rPr lang="en-US" dirty="0" smtClean="0">
+                <a:solidFill>
+                  <a:srgbClr val="FF0000"/>
+                </a:solidFill>
+              </a:rPr>
+              <a:t>hotons -&gt; electrons -&gt; photons</a:t>
+            </a:r>
+            <a:endParaRPr lang="en-US" dirty="0">
+              <a:solidFill>
+                <a:srgbClr val="FF0000"/>
+              </a:solidFill>
+            </a:endParaRPr>
+          </a:p>
+        </p:txBody>
+      </p:sp>
+      <p:sp>
+        <p:nvSpPr>
+          <p:cNvPr id="12" name="TextBox 11"/>
+          <p:cNvSpPr txBox="1"/>
+          <p:nvPr/>
+        </p:nvSpPr>
+        <p:spPr>
+          <a:xfrm>
+            <a:off x="1969781" y="3435284"/>
+            <a:ext cx="2118337" cy="369332"/>
+          </a:xfrm>
+          <a:prstGeom prst="rect">
+            <a:avLst/>
+          </a:prstGeom>
+          <a:noFill/>
+        </p:spPr>
+        <p:txBody>
+          <a:bodyPr wrap="none" rtlCol="0">
+            <a:spAutoFit/>
+          </a:bodyPr>
+          <a:lstStyle/>
+          <a:p>
+            <a:r>
+              <a:rPr lang="en-US" dirty="0">
+                <a:solidFill>
+                  <a:srgbClr val="FF0000"/>
+                </a:solidFill>
+              </a:rPr>
+              <a:t>p</a:t>
+            </a:r>
+            <a:r>
+              <a:rPr lang="en-US" dirty="0" smtClean="0">
+                <a:solidFill>
+                  <a:srgbClr val="FF0000"/>
+                </a:solidFill>
+              </a:rPr>
+              <a:t>hotons -&gt; electrons</a:t>
+            </a:r>
+            <a:endParaRPr lang="en-US" dirty="0">
+              <a:solidFill>
+                <a:srgbClr val="FF0000"/>
+              </a:solidFill>
+            </a:endParaRPr>
+          </a:p>
+        </p:txBody>
+      </p:sp>
+      <p:sp>
+        <p:nvSpPr>
+          <p:cNvPr id="13" name="TextBox 12"/>
+          <p:cNvSpPr txBox="1"/>
+          <p:nvPr/>
+        </p:nvSpPr>
+        <p:spPr>
+          <a:xfrm>
+            <a:off x="1729763" y="1833086"/>
+            <a:ext cx="2118337" cy="369332"/>
+          </a:xfrm>
+          <a:prstGeom prst="rect">
+            <a:avLst/>
+          </a:prstGeom>
+          <a:noFill/>
+        </p:spPr>
+        <p:txBody>
+          <a:bodyPr wrap="none" rtlCol="0">
+            <a:spAutoFit/>
+          </a:bodyPr>
+          <a:lstStyle/>
+          <a:p>
+            <a:r>
+              <a:rPr lang="en-US" dirty="0">
+                <a:solidFill>
+                  <a:srgbClr val="FF0000"/>
+                </a:solidFill>
+              </a:rPr>
+              <a:t>p</a:t>
+            </a:r>
+            <a:r>
+              <a:rPr lang="en-US" dirty="0" smtClean="0">
+                <a:solidFill>
+                  <a:srgbClr val="FF0000"/>
+                </a:solidFill>
+              </a:rPr>
+              <a:t>hotons -&gt; electrons</a:t>
+            </a:r>
+            <a:endParaRPr lang="en-US" dirty="0">
+              <a:solidFill>
+                <a:srgbClr val="FF0000"/>
+              </a:solidFill>
+            </a:endParaRPr>
+          </a:p>
+        </p:txBody>
+      </p:sp>
     </p:spTree>
     <p:extLst>
       <p:ext uri="{BB962C8B-B14F-4D97-AF65-F5344CB8AC3E}">
@@ -5981,7 +6287,7 @@
                             </p:stCondLst>
                             <p:childTnLst>
                               <p:par>
-                                <p:cTn id="15" presetID="2" presetClass="entr" presetSubtype="4" fill="hold" grpId="0" nodeType="clickEffect">
+                                <p:cTn id="15" presetID="10" presetClass="entr" presetSubtype="0" fill="hold" nodeType="clickEffect">
                                   <p:stCondLst>
                                     <p:cond delay="0"/>
                                   </p:stCondLst>
@@ -5989,6 +6295,67 @@
                                     <p:set>
                                       <p:cBhvr>
                                         <p:cTn id="16" dur="1" fill="hold">
+                                          <p:stCondLst>
+                                            <p:cond delay="0"/>
+                                          </p:stCondLst>
+                                        </p:cTn>
+                                        <p:tgtEl>
+                                          <p:spTgt spid="13">
+                                            <p:txEl>
+                                              <p:pRg st="0" end="0"/>
+                                            </p:txEl>
+                                          </p:spTgt>
+                                        </p:tgtEl>
+                                        <p:attrNameLst>
+                                          <p:attrName>style.visibility</p:attrName>
+                                        </p:attrNameLst>
+                                      </p:cBhvr>
+                                      <p:to>
+                                        <p:strVal val="visible"/>
+                                      </p:to>
+                                    </p:set>
+                                    <p:animEffect transition="in" filter="fade">
+                                      <p:cBhvr>
+                                        <p:cTn id="17" dur="500"/>
+                                        <p:tgtEl>
+                                          <p:spTgt spid="13">
+                                            <p:txEl>
+                                              <p:pRg st="0" end="0"/>
+                                            </p:txEl>
+                                          </p:spTgt>
+                                        </p:tgtEl>
+                                      </p:cBhvr>
+                                    </p:animEffect>
+                                  </p:childTnLst>
+                                </p:cTn>
+                              </p:par>
+                            </p:childTnLst>
+                          </p:cTn>
+                        </p:par>
+                      </p:childTnLst>
+                    </p:cTn>
+                  </p:par>
+                  <p:par>
+                    <p:cTn id="18" fill="hold">
+                      <p:stCondLst>
+                        <p:cond delay="indefinite"/>
+                      </p:stCondLst>
+                      <p:childTnLst>
+                        <p:par>
+                          <p:cTn id="19" fill="hold">
+                            <p:stCondLst>
+                              <p:cond delay="0"/>
+                            </p:stCondLst>
+                            <p:childTnLst>
+                              <p:par>
+                                <p:cTn id="20" presetID="2" presetClass="entr" presetSubtype="4" fill="hold" grpId="0" nodeType="clickEffect">
+                                  <p:stCondLst>
+                                    <p:cond delay="0"/>
+                                  </p:stCondLst>
+                                  <p:childTnLst>
+                                    <p:set>
+                                      <p:cBhvr>
+                                        <p:cTn id="21" dur="1" fill="hold">
                                           <p:stCondLst>
                                             <p:cond delay="0"/>
                                           </p:stCondLst>
@@ -6006,7 +6373,7 @@
                                     </p:set>
                                     <p:anim calcmode="lin" valueType="num">
                                       <p:cBhvr additive="base">
-                                        <p:cTn id="17" dur="500" fill="hold"/>
+                                        <p:cTn id="22" dur="500" fill="hold"/>
                                         <p:tgtEl>
                                           <p:spTgt spid="7"/>
                                         </p:tgtEl>
@@ -6029,7 +6396,7 @@
                                     </p:anim>
                                     <p:anim calcmode="lin" valueType="num">
                                       <p:cBhvr additive="base">
-                                        <p:cTn id="18" dur="500" fill="hold"/>
+                                        <p:cTn id="23" dur="500" fill="hold"/>
                                         <p:tgtEl>
                                           <p:spTgt spid="7"/>
                                         </p:tgtEl>
@@ -6054,14 +6421,14 @@
                                 </p:cTn>
                               </p:par>
                               <p:par>
-                                <p:cTn id="19" presetID="2" presetClass="entr" presetSubtype="4" fill="hold" nodeType="withEffect">
+                                <p:cTn id="24" presetID="2" presetClass="entr" presetSubtype="4" fill="hold" nodeType="withEffect">
                                   <p:stCondLst>
                                     <p:cond delay="0"/>
                                   </p:stCondLst>
                                   <p:childTnLst>
                                     <p:set>
                                       <p:cBhvr>
-                                        <p:cTn id="20" dur="1" fill="hold">
+                                        <p:cTn id="25" dur="1" fill="hold">
                                           <p:stCondLst>
                                             <p:cond delay="0"/>
                                           </p:stCondLst>
@@ -6079,7 +6446,7 @@
                                     </p:set>
                                     <p:anim calcmode="lin" valueType="num">
                                       <p:cBhvr additive="base">
-                                        <p:cTn id="21" dur="500" fill="hold"/>
+                                        <p:cTn id="26" dur="500" fill="hold"/>
                                         <p:tgtEl>
                                           <p:spTgt spid="6"/>
                                         </p:tgtEl>
@@ -6102,7 +6469,7 @@
                                     </p:anim>
                                     <p:anim calcmode="lin" valueType="num">
                                       <p:cBhvr additive="base">
-                                        <p:cTn id="22" dur="500" fill="hold"/>
+                                        <p:cTn id="27" dur="500" fill="hold"/>
                                         <p:tgtEl>
                                           <p:spTgt spid="6"/>
                                         </p:tgtEl>
@@ -6133,26 +6500,87 @@
                     </p:cTn>
                   </p:par>
                   <p:par>
-                    <p:cTn id="23" fill="hold">
+                    <p:cTn id="28" fill="hold">
                       <p:stCondLst>
                         <p:cond delay="indefinite"/>
                       </p:stCondLst>
                       <p:childTnLst>
                         <p:par>
-                          <p:cTn id="24" fill="hold">
+                          <p:cTn id="29" fill="hold">
                             <p:stCondLst>
                               <p:cond delay="0"/>
                             </p:stCondLst>
                             <p:childTnLst>
                               <p:par>
-                                <p:cTn id="25" presetID="2" presetClass="entr" presetSubtype="4" fill="hold" grpId="0" nodeType="clickEffect">
+                                <p:cTn id="30" presetID="10" presetClass="entr" presetSubtype="0" fill="hold" nodeType="clickEffect">
                                   <p:stCondLst>
                                     <p:cond delay="0"/>
                                   </p:stCondLst>
                                   <p:childTnLst>
                                     <p:set>
                                       <p:cBhvr>
-                                        <p:cTn id="26" dur="1" fill="hold">
+                                        <p:cTn id="31" dur="1" fill="hold">
+                                          <p:stCondLst>
+                                            <p:cond delay="0"/>
+                                          </p:stCondLst>
+                                        </p:cTn>
+                                        <p:tgtEl>
+                                          <p:spTgt spid="12">
+                                            <p:txEl>
+                                              <p:pRg st="0" end="0"/>
+                                            </p:txEl>
+                                          </p:spTgt>
+                                        </p:tgtEl>
+                                        <p:attrNameLst>
+                                          <p:attrName>style.visibility</p:attrName>
+                                        </p:attrNameLst>
+                                      </p:cBhvr>
+                                      <p:to>
+                                        <p:strVal val="visible"/>
+                                      </p:to>
+                                    </p:set>
+                                    <p:animEffect transition="in" filter="fade">
+                                      <p:cBhvr>
+                                        <p:cTn id="32" dur="500"/>
+                                        <p:tgtEl>
+                                          <p:spTgt spid="12">
+                                            <p:txEl>
+                                              <p:pRg st="0" end="0"/>
+                                            </p:txEl>
+                                          </p:spTgt>
+                                        </p:tgtEl>
+                                      </p:cBhvr>
+                                    </p:animEffect>
+                                  </p:childTnLst>
+                                </p:cTn>
+                              </p:par>
+                            </p:childTnLst>
+                          </p:cTn>
+                        </p:par>
+                      </p:childTnLst>
+                    </p:cTn>
+                  </p:par>
+                  <p:par>
+                    <p:cTn id="33" fill="hold">
+                      <p:stCondLst>
+                        <p:cond delay="indefinite"/>
+                      </p:stCondLst>
+                      <p:childTnLst>
+                        <p:par>
+                          <p:cTn id="34" fill="hold">
+                            <p:stCondLst>
+                              <p:cond delay="0"/>
+                            </p:stCondLst>
+                            <p:childTnLst>
+                              <p:par>
+                                <p:cTn id="35" presetID="2" presetClass="entr" presetSubtype="4" fill="hold" grpId="0" nodeType="clickEffect">
+                                  <p:stCondLst>
+                                    <p:cond delay="0"/>
+                                  </p:stCondLst>
+                                  <p:childTnLst>
+                                    <p:set>
+                                      <p:cBhvr>
+                                        <p:cTn id="36" dur="1" fill="hold">
                                           <p:stCondLst>
                                             <p:cond delay="0"/>
                                           </p:stCondLst>
@@ -6170,7 +6598,7 @@
                                     </p:set>
                                     <p:anim calcmode="lin" valueType="num">
                                       <p:cBhvr additive="base">
-                                        <p:cTn id="27" dur="500" fill="hold"/>
+                                        <p:cTn id="37" dur="500" fill="hold"/>
                                         <p:tgtEl>
                                           <p:spTgt spid="8"/>
                                         </p:tgtEl>
@@ -6193,7 +6621,7 @@
                                     </p:anim>
                                     <p:anim calcmode="lin" valueType="num">
                                       <p:cBhvr additive="base">
-                                        <p:cTn id="28" dur="500" fill="hold"/>
+                                        <p:cTn id="38" dur="500" fill="hold"/>
                                         <p:tgtEl>
                                           <p:spTgt spid="8"/>
                                         </p:tgtEl>
@@ -6218,14 +6646,14 @@
                                 </p:cTn>
                               </p:par>
                               <p:par>
-                                <p:cTn id="29" presetID="2" presetClass="entr" presetSubtype="4" fill="hold" nodeType="withEffect">
+                                <p:cTn id="39" presetID="2" presetClass="entr" presetSubtype="4" fill="hold" nodeType="withEffect">
                                   <p:stCondLst>
                                     <p:cond delay="0"/>
                                   </p:stCondLst>
                                   <p:childTnLst>
                                     <p:set>
                                       <p:cBhvr>
-                                        <p:cTn id="30" dur="1" fill="hold">
+                                        <p:cTn id="40" dur="1" fill="hold">
                                           <p:stCondLst>
                                             <p:cond delay="0"/>
                                           </p:stCondLst>
@@ -6243,7 +6671,7 @@
                                     </p:set>
                                     <p:anim calcmode="lin" valueType="num">
                                       <p:cBhvr additive="base">
-                                        <p:cTn id="31" dur="500" fill="hold"/>
+                                        <p:cTn id="41" dur="500" fill="hold"/>
                                         <p:tgtEl>
                                           <p:spTgt spid="9"/>
                                         </p:tgtEl>
@@ -6266,7 +6694,7 @@
                                     </p:anim>
                                     <p:anim calcmode="lin" valueType="num">
                                       <p:cBhvr additive="base">
-                                        <p:cTn id="32" dur="500" fill="hold"/>
+                                        <p:cTn id="42" dur="500" fill="hold"/>
                                         <p:tgtEl>
                                           <p:spTgt spid="9"/>
                                         </p:tgtEl>
@@ -6287,6 +6715,67 @@
                                         </p:tav>
                                       </p:tavLst>
                                     </p:anim>
+                                  </p:childTnLst>
+                                </p:cTn>
+                              </p:par>
+                            </p:childTnLst>
+                          </p:cTn>
+                        </p:par>
+                      </p:childTnLst>
+                    </p:cTn>
+                  </p:par>
+                  <p:par>
+                    <p:cTn id="43" fill="hold">
+                      <p:stCondLst>
+                        <p:cond delay="indefinite"/>
+                      </p:stCondLst>
+                      <p:childTnLst>
+                        <p:par>
+                          <p:cTn id="44" fill="hold">
+                            <p:stCondLst>
+                              <p:cond delay="0"/>
+                            </p:stCondLst>
+                            <p:childTnLst>
+                              <p:par>
+                                <p:cTn id="45" presetID="10" presetClass="entr" presetSubtype="0" fill="hold" nodeType="clickEffect">
+                                  <p:stCondLst>
+                                    <p:cond delay="0"/>
+                                  </p:stCondLst>
+                                  <p:childTnLst>
+                                    <p:set>
+                                      <p:cBhvr>
+                                        <p:cTn id="46" dur="1" fill="hold">
+                                          <p:stCondLst>
+                                            <p:cond delay="0"/>
+                                          </p:stCondLst>
+                                        </p:cTn>
+                                        <p:tgtEl>
+                                          <p:spTgt spid="3">
+                                            <p:txEl>
+                                              <p:pRg st="0" end="0"/>
+                                            </p:txEl>
+                                          </p:spTgt>
+                                        </p:tgtEl>
+                                        <p:attrNameLst>
+                                          <p:attrName>style.visibility</p:attrName>
+                                        </p:attrNameLst>
+                                      </p:cBhvr>
+                                      <p:to>
+                                        <p:strVal val="visible"/>
+                                      </p:to>
+                                    </p:set>
+                                    <p:animEffect transition="in" filter="fade">
+                                      <p:cBhvr>
+                                        <p:cTn id="47" dur="500"/>
+                                        <p:tgtEl>
+                                          <p:spTgt spid="3">
+                                            <p:txEl>
+                                              <p:pRg st="0" end="0"/>
+                                            </p:txEl>
+                                          </p:spTgt>
+                                        </p:tgtEl>
+                                      </p:cBhvr>
+                                    </p:animEffect>
                                   </p:childTnLst>
                                 </p:cTn>
                               </p:par>
@@ -6447,10 +6936,6 @@
               </a:rPr>
               <a:t>A lot of applications in real life</a:t>
             </a:r>
-            <a:endParaRPr lang="en-US" dirty="0" smtClean="0">
-              <a:latin typeface="Times New Roman" panose="02020603050405020304" pitchFamily="18" charset="0"/>
-              <a:cs typeface="Times New Roman" panose="02020603050405020304" pitchFamily="18" charset="0"/>
-            </a:endParaRPr>
           </a:p>
           <a:p>
             <a:pPr marL="228600" lvl="2">
@@ -6824,7 +7309,6 @@
               <a:rPr lang="en-US" sz="2500" dirty="0" smtClean="0"/>
               <a:t> </a:t>
             </a:r>
-            <a:endParaRPr lang="en-US" sz="2500" dirty="0" smtClean="0"/>
           </a:p>
           <a:p>
             <a:pPr marL="0" indent="0">
@@ -6846,7 +7330,7 @@
           <p:cNvPr id="4" name="Slide Number Placeholder 3">
             <a:extLst>
               <a:ext uri="{FF2B5EF4-FFF2-40B4-BE49-F238E27FC236}">
-                <a16:creationId xmlns:a16="http://schemas.microsoft.com/office/drawing/2014/main" xmlns="" id="{4AF859CF-34D0-FD46-AAD6-388E180EFBE6}"/>
+                <a16:creationId xmlns="" xmlns:a16="http://schemas.microsoft.com/office/drawing/2014/main" id="{4AF859CF-34D0-FD46-AAD6-388E180EFBE6}"/>
               </a:ext>
             </a:extLst>
           </p:cNvPr>
@@ -6876,7 +7360,7 @@
           <p:cNvPr id="5" name="Footer Placeholder 4">
             <a:extLst>
               <a:ext uri="{FF2B5EF4-FFF2-40B4-BE49-F238E27FC236}">
-                <a16:creationId xmlns:a16="http://schemas.microsoft.com/office/drawing/2014/main" xmlns="" id="{71D7DABC-A5AB-DF4F-B94F-9BE810DDB647}"/>
+                <a16:creationId xmlns="" xmlns:a16="http://schemas.microsoft.com/office/drawing/2014/main" id="{71D7DABC-A5AB-DF4F-B94F-9BE810DDB647}"/>
               </a:ext>
             </a:extLst>
           </p:cNvPr>
@@ -7619,14 +8103,7 @@
                 <a:latin typeface="Times New Roman" pitchFamily="18" charset="0"/>
                 <a:cs typeface="Times New Roman" pitchFamily="18" charset="0"/>
               </a:rPr>
-              <a:t> </a:t>
-            </a:r>
-            <a:r>
-              <a:rPr lang="en-US" dirty="0" smtClean="0">
-                <a:latin typeface="Times New Roman" pitchFamily="18" charset="0"/>
-                <a:cs typeface="Times New Roman" pitchFamily="18" charset="0"/>
-              </a:rPr>
-              <a:t>called </a:t>
+              <a:t> called </a:t>
             </a:r>
             <a:r>
               <a:rPr lang="en-US" b="1" dirty="0" smtClean="0">
@@ -7643,21 +8120,7 @@
                 <a:latin typeface="Times New Roman" pitchFamily="18" charset="0"/>
                 <a:cs typeface="Times New Roman" pitchFamily="18" charset="0"/>
               </a:rPr>
-              <a:t>. When a photon hits an </a:t>
-            </a:r>
-            <a:r>
-              <a:rPr lang="en-US" dirty="0" smtClean="0">
-                <a:latin typeface="Times New Roman" pitchFamily="18" charset="0"/>
-                <a:cs typeface="Times New Roman" pitchFamily="18" charset="0"/>
-              </a:rPr>
-              <a:t>electron </a:t>
-            </a:r>
-            <a:r>
-              <a:rPr lang="en-US" dirty="0" smtClean="0">
-                <a:latin typeface="Times New Roman" pitchFamily="18" charset="0"/>
-                <a:cs typeface="Times New Roman" pitchFamily="18" charset="0"/>
-              </a:rPr>
-              <a:t>on a metal surface, the electron can be emitted. The </a:t>
+              <a:t>. When a photon hits an electron on a metal surface, the electron can be emitted. The </a:t>
             </a:r>
             <a:r>
               <a:rPr lang="en-US" b="1" dirty="0" smtClean="0">
@@ -8304,7 +8767,6 @@
               <a:rPr lang="en-US" dirty="0"/>
               <a:t>Introduction</a:t>
             </a:r>
-            <a:endParaRPr lang="en-US" dirty="0"/>
           </a:p>
         </p:txBody>
       </p:sp>
@@ -8327,7 +8789,6 @@
               <a:rPr lang="en-US" dirty="0"/>
               <a:t>Introduction</a:t>
             </a:r>
-            <a:endParaRPr lang="en-US" dirty="0"/>
           </a:p>
         </p:txBody>
       </p:sp>
@@ -8853,7 +9314,28 @@
                 <a:latin typeface="Times New Roman" pitchFamily="18" charset="0"/>
                 <a:cs typeface="Times New Roman" pitchFamily="18" charset="0"/>
               </a:rPr>
-              <a:t>studies were done to learn about the effect observed by Hertz, however it wasn't until 1905 that a theory was purposed that explained the effect </a:t>
+              <a:t>studies were done to learn about the effect observed by Hertz, however it wasn't until 1905 that a theory was </a:t>
+            </a:r>
+            <a:r>
+              <a:rPr lang="en-US" dirty="0" smtClean="0">
+                <a:latin typeface="Times New Roman" pitchFamily="18" charset="0"/>
+                <a:cs typeface="Times New Roman" pitchFamily="18" charset="0"/>
+              </a:rPr>
+              <a:t>proposed </a:t>
+            </a:r>
+            <a:r>
+              <a:rPr lang="en-US" dirty="0" smtClean="0">
+                <a:latin typeface="Times New Roman" pitchFamily="18" charset="0"/>
+                <a:cs typeface="Times New Roman" pitchFamily="18" charset="0"/>
+              </a:rPr>
+              <a:t>that </a:t>
+            </a:r>
+            <a:r>
+              <a:rPr lang="en-US" dirty="0">
+                <a:latin typeface="Times New Roman" pitchFamily="18" charset="0"/>
+                <a:cs typeface="Times New Roman" pitchFamily="18" charset="0"/>
+              </a:rPr>
+              <a:t>explained the effect </a:t>
             </a:r>
             <a:r>
               <a:rPr lang="en-US" dirty="0" smtClean="0">
@@ -9339,7 +9821,6 @@
               <a:rPr lang="en-US" dirty="0"/>
               <a:t>History</a:t>
             </a:r>
-            <a:endParaRPr lang="en-US" dirty="0"/>
           </a:p>
         </p:txBody>
       </p:sp>
@@ -9362,7 +9843,6 @@
               <a:rPr lang="en-US" dirty="0"/>
               <a:t>History</a:t>
             </a:r>
-            <a:endParaRPr lang="en-US" dirty="0"/>
           </a:p>
         </p:txBody>
       </p:sp>

--- a/Photoelectric effect.pptx
+++ b/Photoelectric effect.pptx
@@ -521,6 +521,39 @@
           <a:bodyPr/>
           <a:lstStyle/>
           <a:p>
+            <a:r>
+              <a:rPr lang="en-US" b="1" dirty="0" smtClean="0">
+                <a:latin typeface="Times New Roman" pitchFamily="18" charset="0"/>
+                <a:cs typeface="Times New Roman" pitchFamily="18" charset="0"/>
+              </a:rPr>
+              <a:t>Hertz</a:t>
+            </a:r>
+            <a:r>
+              <a:rPr lang="en-US" dirty="0" smtClean="0">
+                <a:latin typeface="Times New Roman" pitchFamily="18" charset="0"/>
+                <a:cs typeface="Times New Roman" pitchFamily="18" charset="0"/>
+              </a:rPr>
+              <a:t> </a:t>
+            </a:r>
+            <a:r>
+              <a:rPr lang="en-US" b="1" dirty="0" smtClean="0">
+                <a:latin typeface="Times New Roman" pitchFamily="18" charset="0"/>
+                <a:cs typeface="Times New Roman" pitchFamily="18" charset="0"/>
+              </a:rPr>
+              <a:t>Effect - </a:t>
+            </a:r>
+            <a:r>
+              <a:rPr lang="en-US" sz="1200" b="0" i="0" kern="1200" dirty="0" smtClean="0">
+                <a:solidFill>
+                  <a:schemeClr val="tx1"/>
+                </a:solidFill>
+                <a:effectLst/>
+                <a:latin typeface="+mn-lt"/>
+                <a:ea typeface="+mn-ea"/>
+                <a:cs typeface="+mn-cs"/>
+              </a:rPr>
+              <a:t> this name is not used often</a:t>
+            </a:r>
             <a:endParaRPr lang="en-US" dirty="0"/>
           </a:p>
         </p:txBody>
@@ -607,11 +640,7 @@
           <a:p>
             <a:r>
               <a:rPr lang="en-US" dirty="0" smtClean="0"/>
-              <a:t>to be more easier in understanding about photoelectric </a:t>
-            </a:r>
-            <a:r>
-              <a:rPr lang="en-US" dirty="0" smtClean="0"/>
-              <a:t>effect, please look</a:t>
+              <a:t>to be more easier in understanding about photoelectric effect, please look</a:t>
             </a:r>
             <a:r>
               <a:rPr lang="en-US" baseline="0" dirty="0" smtClean="0"/>
@@ -709,7 +738,15 @@
           <a:p>
             <a:r>
               <a:rPr lang="en-US" dirty="0" smtClean="0"/>
-              <a:t>The first observation of the photoelectric effect was by Heinrich Hertz in 1887. He reported that a spark jumped more </a:t>
+              <a:t>The first observation of the photoelectric effect was </a:t>
+            </a:r>
+            <a:r>
+              <a:rPr lang="en-US" dirty="0" smtClean="0"/>
+              <a:t>discovered by </a:t>
+            </a:r>
+            <a:r>
+              <a:rPr lang="en-US" dirty="0" smtClean="0"/>
+              <a:t>Heinrich Hertz in 1887. He reported that a spark jumped more </a:t>
             </a:r>
           </a:p>
           <a:p>
@@ -806,10 +843,6 @@
           <a:bodyPr/>
           <a:lstStyle/>
           <a:p>
-            <a:r>
-              <a:rPr lang="en-US" dirty="0" smtClean="0"/>
-              <a:t>to be more easier in understanding about photoelectric effect</a:t>
-            </a:r>
             <a:endParaRPr lang="en-US" dirty="0"/>
           </a:p>
         </p:txBody>
@@ -1084,6 +1117,90 @@
     <p:extLst>
       <p:ext uri="{BB962C8B-B14F-4D97-AF65-F5344CB8AC3E}">
         <p14:creationId xmlns:p14="http://schemas.microsoft.com/office/powerpoint/2010/main" val="646369842"/>
+      </p:ext>
+    </p:extLst>
+  </p:cSld>
+  <p:clrMapOvr>
+    <a:masterClrMapping/>
+  </p:clrMapOvr>
+</p:notes>
+</file>
+
+<file path=ppt/notesSlides/notesSlide6.xml><?xml version="1.0" encoding="utf-8"?>
+<p:notes xmlns:a="http://schemas.openxmlformats.org/drawingml/2006/main" xmlns:r="http://schemas.openxmlformats.org/officeDocument/2006/relationships" xmlns:p="http://schemas.openxmlformats.org/presentationml/2006/main">
+  <p:cSld>
+    <p:spTree>
+      <p:nvGrpSpPr>
+        <p:cNvPr id="1" name=""/>
+        <p:cNvGrpSpPr/>
+        <p:nvPr/>
+      </p:nvGrpSpPr>
+      <p:grpSpPr>
+        <a:xfrm>
+          <a:off x="0" y="0"/>
+          <a:ext cx="0" cy="0"/>
+          <a:chOff x="0" y="0"/>
+          <a:chExt cx="0" cy="0"/>
+        </a:xfrm>
+      </p:grpSpPr>
+      <p:sp>
+        <p:nvSpPr>
+          <p:cNvPr id="2" name="Slide Image Placeholder 1"/>
+          <p:cNvSpPr>
+            <a:spLocks noGrp="1" noRot="1" noChangeAspect="1"/>
+          </p:cNvSpPr>
+          <p:nvPr>
+            <p:ph type="sldImg"/>
+          </p:nvPr>
+        </p:nvSpPr>
+        <p:spPr/>
+      </p:sp>
+      <p:sp>
+        <p:nvSpPr>
+          <p:cNvPr id="3" name="Notes Placeholder 2"/>
+          <p:cNvSpPr>
+            <a:spLocks noGrp="1"/>
+          </p:cNvSpPr>
+          <p:nvPr>
+            <p:ph type="body" idx="1"/>
+          </p:nvPr>
+        </p:nvSpPr>
+        <p:spPr/>
+        <p:txBody>
+          <a:bodyPr/>
+          <a:lstStyle/>
+          <a:p>
+            <a:endParaRPr lang="en-US" dirty="0"/>
+          </a:p>
+        </p:txBody>
+      </p:sp>
+      <p:sp>
+        <p:nvSpPr>
+          <p:cNvPr id="4" name="Slide Number Placeholder 3"/>
+          <p:cNvSpPr>
+            <a:spLocks noGrp="1"/>
+          </p:cNvSpPr>
+          <p:nvPr>
+            <p:ph type="sldNum" sz="quarter" idx="10"/>
+          </p:nvPr>
+        </p:nvSpPr>
+        <p:spPr/>
+        <p:txBody>
+          <a:bodyPr/>
+          <a:lstStyle/>
+          <a:p>
+            <a:fld id="{4FA3FA8C-ED4C-A04D-8D7D-C21D3203F08B}" type="slidenum">
+              <a:rPr lang="en-US" smtClean="0"/>
+              <a:t>14</a:t>
+            </a:fld>
+            <a:endParaRPr lang="en-US"/>
+          </a:p>
+        </p:txBody>
+      </p:sp>
+    </p:spTree>
+    <p:extLst>
+      <p:ext uri="{BB962C8B-B14F-4D97-AF65-F5344CB8AC3E}">
+        <p14:creationId xmlns:p14="http://schemas.microsoft.com/office/powerpoint/2010/main" val="911684573"/>
       </p:ext>
     </p:extLst>
   </p:cSld>
@@ -4573,7 +4690,7 @@
           <p:cNvPr id="4" name="Footer Placeholder 3">
             <a:extLst>
               <a:ext uri="{FF2B5EF4-FFF2-40B4-BE49-F238E27FC236}">
-                <a16:creationId xmlns="" xmlns:a16="http://schemas.microsoft.com/office/drawing/2014/main" id="{E7E37151-A86D-244A-B56B-7FDC3C7E47D4}"/>
+                <a16:creationId xmlns:a16="http://schemas.microsoft.com/office/drawing/2014/main" id="{E7E37151-A86D-244A-B56B-7FDC3C7E47D4}"/>
               </a:ext>
             </a:extLst>
           </p:cNvPr>
@@ -4960,10 +5077,73 @@
           <a:lstStyle/>
           <a:p>
             <a:r>
+              <a:rPr lang="en-US" b="1" dirty="0" smtClean="0">
+                <a:solidFill>
+                  <a:schemeClr val="accent1"/>
+                </a:solidFill>
+              </a:rPr>
+              <a:t>PHOTOELECTRIC EFFECT</a:t>
+            </a:r>
+            <a:r>
               <a:rPr lang="en-US" b="1" dirty="0" smtClean="0"/>
-              <a:t>TOAST MASTER – PHOTOELECTRIC EFFECT</a:t>
-            </a:r>
-            <a:endParaRPr lang="en-US" b="1" dirty="0"/>
+              <a:t/>
+            </a:r>
+            <a:br>
+              <a:rPr lang="en-US" b="1" dirty="0" smtClean="0"/>
+            </a:br>
+            <a:r>
+              <a:rPr lang="en-US" b="1" dirty="0" err="1" smtClean="0">
+                <a:latin typeface="Times New Roman" panose="02020603050405020304" pitchFamily="18" charset="0"/>
+                <a:cs typeface="Times New Roman" panose="02020603050405020304" pitchFamily="18" charset="0"/>
+              </a:rPr>
+              <a:t>Hiệu</a:t>
+            </a:r>
+            <a:r>
+              <a:rPr lang="en-US" b="1" dirty="0" smtClean="0">
+                <a:latin typeface="Times New Roman" panose="02020603050405020304" pitchFamily="18" charset="0"/>
+                <a:cs typeface="Times New Roman" panose="02020603050405020304" pitchFamily="18" charset="0"/>
+              </a:rPr>
+              <a:t> </a:t>
+            </a:r>
+            <a:r>
+              <a:rPr lang="en-US" b="1" dirty="0" err="1" smtClean="0">
+                <a:latin typeface="Times New Roman" panose="02020603050405020304" pitchFamily="18" charset="0"/>
+                <a:cs typeface="Times New Roman" panose="02020603050405020304" pitchFamily="18" charset="0"/>
+              </a:rPr>
+              <a:t>ứng</a:t>
+            </a:r>
+            <a:r>
+              <a:rPr lang="en-US" b="1" dirty="0" smtClean="0">
+                <a:latin typeface="Times New Roman" panose="02020603050405020304" pitchFamily="18" charset="0"/>
+                <a:cs typeface="Times New Roman" panose="02020603050405020304" pitchFamily="18" charset="0"/>
+              </a:rPr>
+              <a:t> </a:t>
+            </a:r>
+            <a:r>
+              <a:rPr lang="en-US" b="1" dirty="0" err="1" smtClean="0">
+                <a:latin typeface="Times New Roman" panose="02020603050405020304" pitchFamily="18" charset="0"/>
+                <a:cs typeface="Times New Roman" panose="02020603050405020304" pitchFamily="18" charset="0"/>
+              </a:rPr>
+              <a:t>quang</a:t>
+            </a:r>
+            <a:r>
+              <a:rPr lang="en-US" b="1" dirty="0" smtClean="0">
+                <a:latin typeface="Times New Roman" panose="02020603050405020304" pitchFamily="18" charset="0"/>
+                <a:cs typeface="Times New Roman" panose="02020603050405020304" pitchFamily="18" charset="0"/>
+              </a:rPr>
+              <a:t> </a:t>
+            </a:r>
+            <a:r>
+              <a:rPr lang="en-US" b="1" dirty="0" err="1" smtClean="0">
+                <a:latin typeface="Times New Roman" panose="02020603050405020304" pitchFamily="18" charset="0"/>
+                <a:cs typeface="Times New Roman" panose="02020603050405020304" pitchFamily="18" charset="0"/>
+              </a:rPr>
+              <a:t>điện</a:t>
+            </a:r>
+            <a:endParaRPr lang="en-US" b="1" dirty="0">
+              <a:latin typeface="Times New Roman" panose="02020603050405020304" pitchFamily="18" charset="0"/>
+              <a:cs typeface="Times New Roman" panose="02020603050405020304" pitchFamily="18" charset="0"/>
+            </a:endParaRPr>
           </a:p>
         </p:txBody>
       </p:sp>
@@ -5021,7 +5201,7 @@
           <p:cNvPr id="4" name="Footer Placeholder 3">
             <a:extLst>
               <a:ext uri="{FF2B5EF4-FFF2-40B4-BE49-F238E27FC236}">
-                <a16:creationId xmlns="" xmlns:a16="http://schemas.microsoft.com/office/drawing/2014/main" id="{647F417E-7B9D-CC46-A06C-DC1D8ABEFDB3}"/>
+                <a16:creationId xmlns:a16="http://schemas.microsoft.com/office/drawing/2014/main" id="{647F417E-7B9D-CC46-A06C-DC1D8ABEFDB3}"/>
               </a:ext>
             </a:extLst>
           </p:cNvPr>
@@ -6910,14 +7090,14 @@
               <a:t> </a:t>
             </a:r>
             <a:r>
-              <a:rPr lang="en-US" b="1" dirty="0">
-                <a:latin typeface="Times New Roman" pitchFamily="18" charset="0"/>
-                <a:cs typeface="Times New Roman" pitchFamily="18" charset="0"/>
-              </a:rPr>
-              <a:t>Einstein</a:t>
-            </a:r>
-            <a:r>
-              <a:rPr lang="en-US" dirty="0">
+              <a:rPr lang="en-US" b="1" dirty="0" smtClean="0">
+                <a:latin typeface="Times New Roman" pitchFamily="18" charset="0"/>
+                <a:cs typeface="Times New Roman" pitchFamily="18" charset="0"/>
+              </a:rPr>
+              <a:t>Einstein.</a:t>
+            </a:r>
+            <a:r>
+              <a:rPr lang="en-US" dirty="0" smtClean="0">
                 <a:latin typeface="Times New Roman" pitchFamily="18" charset="0"/>
                 <a:cs typeface="Times New Roman" pitchFamily="18" charset="0"/>
               </a:rPr>
@@ -6934,8 +7114,19 @@
                 <a:latin typeface="Times New Roman" panose="02020603050405020304" pitchFamily="18" charset="0"/>
                 <a:cs typeface="Times New Roman" panose="02020603050405020304" pitchFamily="18" charset="0"/>
               </a:rPr>
-              <a:t>A lot of applications in real life</a:t>
-            </a:r>
+              <a:t>A lot of applications in real </a:t>
+            </a:r>
+            <a:r>
+              <a:rPr lang="en-US" dirty="0" smtClean="0">
+                <a:latin typeface="Times New Roman" panose="02020603050405020304" pitchFamily="18" charset="0"/>
+                <a:cs typeface="Times New Roman" panose="02020603050405020304" pitchFamily="18" charset="0"/>
+              </a:rPr>
+              <a:t>life.</a:t>
+            </a:r>
+            <a:endParaRPr lang="en-US" dirty="0" smtClean="0">
+              <a:latin typeface="Times New Roman" panose="02020603050405020304" pitchFamily="18" charset="0"/>
+              <a:cs typeface="Times New Roman" panose="02020603050405020304" pitchFamily="18" charset="0"/>
+            </a:endParaRPr>
           </a:p>
           <a:p>
             <a:pPr marL="228600" lvl="2">
@@ -7274,13 +7465,13 @@
             </a:pPr>
             <a:r>
               <a:rPr lang="en-US" sz="2400" dirty="0">
-                <a:hlinkClick r:id="rId2"/>
+                <a:hlinkClick r:id="rId3"/>
               </a:rPr>
               <a:t>https://</a:t>
             </a:r>
             <a:r>
               <a:rPr lang="en-US" sz="2400" dirty="0" smtClean="0">
-                <a:hlinkClick r:id="rId2"/>
+                <a:hlinkClick r:id="rId3"/>
               </a:rPr>
               <a:t>simple.wikipedia.org/wiki/Photoelectric_effect</a:t>
             </a:r>
@@ -7295,13 +7486,13 @@
             </a:pPr>
             <a:r>
               <a:rPr lang="en-US" sz="2500" dirty="0">
-                <a:hlinkClick r:id="rId3"/>
+                <a:hlinkClick r:id="rId4"/>
               </a:rPr>
               <a:t>https://</a:t>
             </a:r>
             <a:r>
               <a:rPr lang="en-US" sz="2500" dirty="0" smtClean="0">
-                <a:hlinkClick r:id="rId3"/>
+                <a:hlinkClick r:id="rId4"/>
               </a:rPr>
               <a:t>en.wikipedia.org/wiki/Photoelectric_effect</a:t>
             </a:r>
@@ -7330,7 +7521,7 @@
           <p:cNvPr id="4" name="Slide Number Placeholder 3">
             <a:extLst>
               <a:ext uri="{FF2B5EF4-FFF2-40B4-BE49-F238E27FC236}">
-                <a16:creationId xmlns="" xmlns:a16="http://schemas.microsoft.com/office/drawing/2014/main" id="{4AF859CF-34D0-FD46-AAD6-388E180EFBE6}"/>
+                <a16:creationId xmlns:a16="http://schemas.microsoft.com/office/drawing/2014/main" id="{4AF859CF-34D0-FD46-AAD6-388E180EFBE6}"/>
               </a:ext>
             </a:extLst>
           </p:cNvPr>
@@ -7360,7 +7551,7 @@
           <p:cNvPr id="5" name="Footer Placeholder 4">
             <a:extLst>
               <a:ext uri="{FF2B5EF4-FFF2-40B4-BE49-F238E27FC236}">
-                <a16:creationId xmlns="" xmlns:a16="http://schemas.microsoft.com/office/drawing/2014/main" id="{71D7DABC-A5AB-DF4F-B94F-9BE810DDB647}"/>
+                <a16:creationId xmlns:a16="http://schemas.microsoft.com/office/drawing/2014/main" id="{71D7DABC-A5AB-DF4F-B94F-9BE810DDB647}"/>
               </a:ext>
             </a:extLst>
           </p:cNvPr>
@@ -7844,7 +8035,12 @@
             <p:ph type="subTitle" idx="1"/>
           </p:nvPr>
         </p:nvSpPr>
-        <p:spPr/>
+        <p:spPr>
+          <a:xfrm>
+            <a:off x="1143000" y="2953041"/>
+            <a:ext cx="6858000" cy="1655762"/>
+          </a:xfrm>
+        </p:spPr>
         <p:txBody>
           <a:bodyPr>
             <a:normAutofit/>
@@ -7878,6 +8074,36 @@
           </a:p>
         </p:txBody>
       </p:sp>
+      <p:pic>
+        <p:nvPicPr>
+          <p:cNvPr id="4" name="Picture 3"/>
+          <p:cNvPicPr>
+            <a:picLocks noChangeAspect="1"/>
+          </p:cNvPicPr>
+          <p:nvPr/>
+        </p:nvPicPr>
+        <p:blipFill>
+          <a:blip r:embed="rId2">
+            <a:extLst>
+              <a:ext uri="{28A0092B-C50C-407E-A947-70E740481C1C}">
+                <a14:useLocalDpi xmlns:a14="http://schemas.microsoft.com/office/drawing/2010/main" val="0"/>
+              </a:ext>
+            </a:extLst>
+          </a:blip>
+          <a:stretch>
+            <a:fillRect/>
+          </a:stretch>
+        </p:blipFill>
+        <p:spPr>
+          <a:xfrm>
+            <a:off x="2881168" y="1419516"/>
+            <a:ext cx="2981325" cy="1533525"/>
+          </a:xfrm>
+          <a:prstGeom prst="rect">
+            <a:avLst/>
+          </a:prstGeom>
+        </p:spPr>
+      </p:pic>
     </p:spTree>
     <p:extLst>
       <p:ext uri="{BB962C8B-B14F-4D97-AF65-F5344CB8AC3E}">
@@ -8968,6 +9194,49 @@
           </a:p>
         </p:txBody>
       </p:sp>
+      <p:sp>
+        <p:nvSpPr>
+          <p:cNvPr id="9" name="TextBox 8"/>
+          <p:cNvSpPr txBox="1"/>
+          <p:nvPr/>
+        </p:nvSpPr>
+        <p:spPr>
+          <a:xfrm>
+            <a:off x="4916090" y="1981189"/>
+            <a:ext cx="1641728" cy="369332"/>
+          </a:xfrm>
+          <a:prstGeom prst="rect">
+            <a:avLst/>
+          </a:prstGeom>
+          <a:noFill/>
+        </p:spPr>
+        <p:txBody>
+          <a:bodyPr wrap="square" rtlCol="0">
+            <a:spAutoFit/>
+          </a:bodyPr>
+          <a:lstStyle/>
+          <a:p>
+            <a:pPr algn="ctr"/>
+            <a:r>
+              <a:rPr lang="en-US" dirty="0" smtClean="0">
+                <a:solidFill>
+                  <a:schemeClr val="tx1">
+                    <a:lumMod val="85000"/>
+                    <a:lumOff val="15000"/>
+                  </a:schemeClr>
+                </a:solidFill>
+                <a:latin typeface="Times New Roman" pitchFamily="18" charset="0"/>
+                <a:cs typeface="Times New Roman" pitchFamily="18" charset="0"/>
+              </a:rPr>
+              <a:t>Photoelectrons</a:t>
+            </a:r>
+            <a:endParaRPr lang="en-US" dirty="0">
+              <a:latin typeface="Times New Roman" pitchFamily="18" charset="0"/>
+              <a:cs typeface="Times New Roman" pitchFamily="18" charset="0"/>
+            </a:endParaRPr>
+          </a:p>
+        </p:txBody>
+      </p:sp>
     </p:spTree>
     <p:extLst>
       <p:ext uri="{BB962C8B-B14F-4D97-AF65-F5344CB8AC3E}">
@@ -9007,53 +9276,247 @@
       </p:grpSpPr>
       <p:sp>
         <p:nvSpPr>
-          <p:cNvPr id="2" name="Subtitle 1"/>
+          <p:cNvPr id="3" name="Footer Placeholder 2"/>
           <p:cNvSpPr>
             <a:spLocks noGrp="1"/>
           </p:cNvSpPr>
           <p:nvPr>
-            <p:ph type="subTitle" idx="1"/>
-          </p:nvPr>
+            <p:ph type="ftr" sz="quarter" idx="11"/>
+          </p:nvPr>
+        </p:nvSpPr>
+        <p:spPr/>
+        <p:txBody>
+          <a:bodyPr/>
+          <a:lstStyle/>
+          <a:p>
+            <a:endParaRPr lang="en-US" dirty="0"/>
+          </a:p>
+        </p:txBody>
+      </p:sp>
+      <p:sp>
+        <p:nvSpPr>
+          <p:cNvPr id="5" name="Subtitle 1"/>
+          <p:cNvSpPr txBox="1">
+            <a:spLocks/>
+          </p:cNvSpPr>
+          <p:nvPr/>
         </p:nvSpPr>
         <p:spPr>
           <a:xfrm>
-            <a:off x="1143000" y="2637724"/>
+            <a:off x="1143000" y="2953041"/>
             <a:ext cx="6858000" cy="1655762"/>
           </a:xfrm>
+          <a:prstGeom prst="rect">
+            <a:avLst/>
+          </a:prstGeom>
         </p:spPr>
         <p:txBody>
-          <a:bodyPr anchor="ctr">
+          <a:bodyPr vert="horz" lIns="91440" tIns="45720" rIns="91440" bIns="45720" rtlCol="0" anchor="ctr">
             <a:normAutofit/>
           </a:bodyPr>
-          <a:lstStyle/>
-          <a:p>
-            <a:r>
-              <a:rPr lang="en-US" sz="4400" b="1" dirty="0" smtClean="0"/>
+          <a:lstStyle>
+            <a:lvl1pPr marL="0" indent="0" algn="ctr" defTabSz="914400" rtl="0" eaLnBrk="1" latinLnBrk="0" hangingPunct="1">
+              <a:lnSpc>
+                <a:spcPct val="90000"/>
+              </a:lnSpc>
+              <a:spcBef>
+                <a:spcPts val="1000"/>
+              </a:spcBef>
+              <a:buFont typeface="Arial" panose="020B0604020202020204" pitchFamily="34" charset="0"/>
+              <a:buNone/>
+              <a:defRPr sz="4000" b="1" kern="1200">
+                <a:solidFill>
+                  <a:srgbClr val="00B0F0"/>
+                </a:solidFill>
+                <a:latin typeface="Century Gothic" panose="020B0502020202020204"/>
+                <a:ea typeface="+mn-ea"/>
+                <a:cs typeface="+mn-cs"/>
+              </a:defRPr>
+            </a:lvl1pPr>
+            <a:lvl2pPr marL="457200" indent="0" algn="ctr" defTabSz="914400" rtl="0" eaLnBrk="1" latinLnBrk="0" hangingPunct="1">
+              <a:lnSpc>
+                <a:spcPct val="90000"/>
+              </a:lnSpc>
+              <a:spcBef>
+                <a:spcPts val="500"/>
+              </a:spcBef>
+              <a:buFont typeface="Arial" panose="020B0604020202020204" pitchFamily="34" charset="0"/>
+              <a:buNone/>
+              <a:defRPr sz="2000" kern="1200">
+                <a:solidFill>
+                  <a:schemeClr val="tx1"/>
+                </a:solidFill>
+                <a:latin typeface="Century Gothic" panose="020B0502020202020204"/>
+                <a:ea typeface="+mn-ea"/>
+                <a:cs typeface="+mn-cs"/>
+              </a:defRPr>
+            </a:lvl2pPr>
+            <a:lvl3pPr marL="914400" indent="0" algn="ctr" defTabSz="914400" rtl="0" eaLnBrk="1" latinLnBrk="0" hangingPunct="1">
+              <a:lnSpc>
+                <a:spcPct val="90000"/>
+              </a:lnSpc>
+              <a:spcBef>
+                <a:spcPts val="500"/>
+              </a:spcBef>
+              <a:buFont typeface="Arial" panose="020B0604020202020204" pitchFamily="34" charset="0"/>
+              <a:buNone/>
+              <a:defRPr sz="1800" kern="1200">
+                <a:solidFill>
+                  <a:schemeClr val="tx1"/>
+                </a:solidFill>
+                <a:latin typeface="Century Gothic" panose="020B0502020202020204"/>
+                <a:ea typeface="+mn-ea"/>
+                <a:cs typeface="+mn-cs"/>
+              </a:defRPr>
+            </a:lvl3pPr>
+            <a:lvl4pPr marL="1371600" indent="0" algn="ctr" defTabSz="914400" rtl="0" eaLnBrk="1" latinLnBrk="0" hangingPunct="1">
+              <a:lnSpc>
+                <a:spcPct val="90000"/>
+              </a:lnSpc>
+              <a:spcBef>
+                <a:spcPts val="500"/>
+              </a:spcBef>
+              <a:buFont typeface="Arial" panose="020B0604020202020204" pitchFamily="34" charset="0"/>
+              <a:buNone/>
+              <a:defRPr sz="1600" kern="1200">
+                <a:solidFill>
+                  <a:schemeClr val="tx1"/>
+                </a:solidFill>
+                <a:latin typeface="Century Gothic" panose="020B0502020202020204"/>
+                <a:ea typeface="+mn-ea"/>
+                <a:cs typeface="+mn-cs"/>
+              </a:defRPr>
+            </a:lvl4pPr>
+            <a:lvl5pPr marL="1828800" indent="0" algn="ctr" defTabSz="914400" rtl="0" eaLnBrk="1" latinLnBrk="0" hangingPunct="1">
+              <a:lnSpc>
+                <a:spcPct val="90000"/>
+              </a:lnSpc>
+              <a:spcBef>
+                <a:spcPts val="500"/>
+              </a:spcBef>
+              <a:buFont typeface="Arial" panose="020B0604020202020204" pitchFamily="34" charset="0"/>
+              <a:buNone/>
+              <a:defRPr sz="1600" kern="1200">
+                <a:solidFill>
+                  <a:schemeClr val="tx1"/>
+                </a:solidFill>
+                <a:latin typeface="Century Gothic" panose="020B0502020202020204"/>
+                <a:ea typeface="+mn-ea"/>
+                <a:cs typeface="+mn-cs"/>
+              </a:defRPr>
+            </a:lvl5pPr>
+            <a:lvl6pPr marL="2286000" indent="0" algn="ctr" defTabSz="914400" rtl="0" eaLnBrk="1" latinLnBrk="0" hangingPunct="1">
+              <a:lnSpc>
+                <a:spcPct val="90000"/>
+              </a:lnSpc>
+              <a:spcBef>
+                <a:spcPts val="500"/>
+              </a:spcBef>
+              <a:buFont typeface="Arial" panose="020B0604020202020204" pitchFamily="34" charset="0"/>
+              <a:buNone/>
+              <a:defRPr sz="1600" kern="1200">
+                <a:solidFill>
+                  <a:schemeClr val="tx1"/>
+                </a:solidFill>
+                <a:latin typeface="+mn-lt"/>
+                <a:ea typeface="+mn-ea"/>
+                <a:cs typeface="+mn-cs"/>
+              </a:defRPr>
+            </a:lvl6pPr>
+            <a:lvl7pPr marL="2743200" indent="0" algn="ctr" defTabSz="914400" rtl="0" eaLnBrk="1" latinLnBrk="0" hangingPunct="1">
+              <a:lnSpc>
+                <a:spcPct val="90000"/>
+              </a:lnSpc>
+              <a:spcBef>
+                <a:spcPts val="500"/>
+              </a:spcBef>
+              <a:buFont typeface="Arial" panose="020B0604020202020204" pitchFamily="34" charset="0"/>
+              <a:buNone/>
+              <a:defRPr sz="1600" kern="1200">
+                <a:solidFill>
+                  <a:schemeClr val="tx1"/>
+                </a:solidFill>
+                <a:latin typeface="+mn-lt"/>
+                <a:ea typeface="+mn-ea"/>
+                <a:cs typeface="+mn-cs"/>
+              </a:defRPr>
+            </a:lvl7pPr>
+            <a:lvl8pPr marL="3200400" indent="0" algn="ctr" defTabSz="914400" rtl="0" eaLnBrk="1" latinLnBrk="0" hangingPunct="1">
+              <a:lnSpc>
+                <a:spcPct val="90000"/>
+              </a:lnSpc>
+              <a:spcBef>
+                <a:spcPts val="500"/>
+              </a:spcBef>
+              <a:buFont typeface="Arial" panose="020B0604020202020204" pitchFamily="34" charset="0"/>
+              <a:buNone/>
+              <a:defRPr sz="1600" kern="1200">
+                <a:solidFill>
+                  <a:schemeClr val="tx1"/>
+                </a:solidFill>
+                <a:latin typeface="+mn-lt"/>
+                <a:ea typeface="+mn-ea"/>
+                <a:cs typeface="+mn-cs"/>
+              </a:defRPr>
+            </a:lvl8pPr>
+            <a:lvl9pPr marL="3657600" indent="0" algn="ctr" defTabSz="914400" rtl="0" eaLnBrk="1" latinLnBrk="0" hangingPunct="1">
+              <a:lnSpc>
+                <a:spcPct val="90000"/>
+              </a:lnSpc>
+              <a:spcBef>
+                <a:spcPts val="500"/>
+              </a:spcBef>
+              <a:buFont typeface="Arial" panose="020B0604020202020204" pitchFamily="34" charset="0"/>
+              <a:buNone/>
+              <a:defRPr sz="1600" kern="1200">
+                <a:solidFill>
+                  <a:schemeClr val="tx1"/>
+                </a:solidFill>
+                <a:latin typeface="+mn-lt"/>
+                <a:ea typeface="+mn-ea"/>
+                <a:cs typeface="+mn-cs"/>
+              </a:defRPr>
+            </a:lvl9pPr>
+          </a:lstStyle>
+          <a:p>
+            <a:r>
+              <a:rPr lang="en-US" sz="4400" dirty="0" smtClean="0"/>
               <a:t>History</a:t>
             </a:r>
-            <a:endParaRPr lang="en-US" sz="3500" b="1" dirty="0"/>
-          </a:p>
-        </p:txBody>
-      </p:sp>
-      <p:sp>
-        <p:nvSpPr>
-          <p:cNvPr id="3" name="Footer Placeholder 2"/>
-          <p:cNvSpPr>
-            <a:spLocks noGrp="1"/>
-          </p:cNvSpPr>
-          <p:nvPr>
-            <p:ph type="ftr" sz="quarter" idx="11"/>
-          </p:nvPr>
-        </p:nvSpPr>
-        <p:spPr/>
-        <p:txBody>
-          <a:bodyPr/>
-          <a:lstStyle/>
-          <a:p>
-            <a:endParaRPr lang="en-US" dirty="0"/>
-          </a:p>
-        </p:txBody>
-      </p:sp>
+            <a:endParaRPr lang="en-US" sz="4400" dirty="0"/>
+          </a:p>
+        </p:txBody>
+      </p:sp>
+      <p:pic>
+        <p:nvPicPr>
+          <p:cNvPr id="6" name="Picture 5"/>
+          <p:cNvPicPr>
+            <a:picLocks noChangeAspect="1"/>
+          </p:cNvPicPr>
+          <p:nvPr/>
+        </p:nvPicPr>
+        <p:blipFill>
+          <a:blip r:embed="rId2">
+            <a:extLst>
+              <a:ext uri="{28A0092B-C50C-407E-A947-70E740481C1C}">
+                <a14:useLocalDpi xmlns:a14="http://schemas.microsoft.com/office/drawing/2010/main" val="0"/>
+              </a:ext>
+            </a:extLst>
+          </a:blip>
+          <a:stretch>
+            <a:fillRect/>
+          </a:stretch>
+        </p:blipFill>
+        <p:spPr>
+          <a:xfrm>
+            <a:off x="2571750" y="2183245"/>
+            <a:ext cx="4000500" cy="1143000"/>
+          </a:xfrm>
+          <a:prstGeom prst="rect">
+            <a:avLst/>
+          </a:prstGeom>
+        </p:spPr>
+      </p:pic>
     </p:spTree>
     <p:extLst>
       <p:ext uri="{BB962C8B-B14F-4D97-AF65-F5344CB8AC3E}">
@@ -9321,14 +9784,7 @@
                 <a:latin typeface="Times New Roman" pitchFamily="18" charset="0"/>
                 <a:cs typeface="Times New Roman" pitchFamily="18" charset="0"/>
               </a:rPr>
-              <a:t>proposed </a:t>
-            </a:r>
-            <a:r>
-              <a:rPr lang="en-US" dirty="0" smtClean="0">
-                <a:latin typeface="Times New Roman" pitchFamily="18" charset="0"/>
-                <a:cs typeface="Times New Roman" pitchFamily="18" charset="0"/>
-              </a:rPr>
-              <a:t>that </a:t>
+              <a:t>proposed that </a:t>
             </a:r>
             <a:r>
               <a:rPr lang="en-US" dirty="0">
@@ -9391,6 +9847,169 @@
               <a:t>readily</a:t>
             </a:r>
             <a:endParaRPr lang="en-US" sz="1500" b="1" dirty="0"/>
+          </a:p>
+        </p:txBody>
+      </p:sp>
+      <p:cxnSp>
+        <p:nvCxnSpPr>
+          <p:cNvPr id="6" name="Straight Arrow Connector 5"/>
+          <p:cNvCxnSpPr>
+            <a:stCxn id="7" idx="3"/>
+          </p:cNvCxnSpPr>
+          <p:nvPr/>
+        </p:nvCxnSpPr>
+        <p:spPr>
+          <a:xfrm>
+            <a:off x="1857080" y="2322206"/>
+            <a:ext cx="960011" cy="180849"/>
+          </a:xfrm>
+          <a:prstGeom prst="straightConnector1">
+            <a:avLst/>
+          </a:prstGeom>
+          <a:ln w="19050">
+            <a:solidFill>
+              <a:srgbClr val="FF0000"/>
+            </a:solidFill>
+            <a:tailEnd type="triangle"/>
+          </a:ln>
+        </p:spPr>
+        <p:style>
+          <a:lnRef idx="1">
+            <a:schemeClr val="accent1"/>
+          </a:lnRef>
+          <a:fillRef idx="0">
+            <a:schemeClr val="accent1"/>
+          </a:fillRef>
+          <a:effectRef idx="0">
+            <a:schemeClr val="accent1"/>
+          </a:effectRef>
+          <a:fontRef idx="minor">
+            <a:schemeClr val="tx1"/>
+          </a:fontRef>
+        </p:style>
+      </p:cxnSp>
+      <p:cxnSp>
+        <p:nvCxnSpPr>
+          <p:cNvPr id="13" name="Straight Arrow Connector 12"/>
+          <p:cNvCxnSpPr/>
+          <p:nvPr/>
+        </p:nvCxnSpPr>
+        <p:spPr>
+          <a:xfrm>
+            <a:off x="942109" y="2599205"/>
+            <a:ext cx="0" cy="1077990"/>
+          </a:xfrm>
+          <a:prstGeom prst="straightConnector1">
+            <a:avLst/>
+          </a:prstGeom>
+          <a:ln w="28575">
+            <a:tailEnd type="triangle"/>
+          </a:ln>
+        </p:spPr>
+        <p:style>
+          <a:lnRef idx="1">
+            <a:schemeClr val="accent1"/>
+          </a:lnRef>
+          <a:fillRef idx="0">
+            <a:schemeClr val="accent1"/>
+          </a:fillRef>
+          <a:effectRef idx="0">
+            <a:schemeClr val="accent1"/>
+          </a:effectRef>
+          <a:fontRef idx="minor">
+            <a:schemeClr val="tx1"/>
+          </a:fontRef>
+        </p:style>
+      </p:cxnSp>
+      <p:sp>
+        <p:nvSpPr>
+          <p:cNvPr id="14" name="TextBox 13"/>
+          <p:cNvSpPr txBox="1"/>
+          <p:nvPr/>
+        </p:nvSpPr>
+        <p:spPr>
+          <a:xfrm>
+            <a:off x="16845" y="3598119"/>
+            <a:ext cx="2374368" cy="369332"/>
+          </a:xfrm>
+          <a:prstGeom prst="rect">
+            <a:avLst/>
+          </a:prstGeom>
+          <a:noFill/>
+        </p:spPr>
+        <p:txBody>
+          <a:bodyPr wrap="none" rtlCol="0">
+            <a:spAutoFit/>
+          </a:bodyPr>
+          <a:lstStyle/>
+          <a:p>
+            <a:r>
+              <a:rPr lang="en-US" b="1" dirty="0" err="1" smtClean="0">
+                <a:latin typeface="Times New Roman" panose="02020603050405020304" pitchFamily="18" charset="0"/>
+                <a:cs typeface="Times New Roman" panose="02020603050405020304" pitchFamily="18" charset="0"/>
+              </a:rPr>
+              <a:t>Đánh</a:t>
+            </a:r>
+            <a:r>
+              <a:rPr lang="en-US" b="1" dirty="0" smtClean="0">
+                <a:latin typeface="Times New Roman" panose="02020603050405020304" pitchFamily="18" charset="0"/>
+                <a:cs typeface="Times New Roman" panose="02020603050405020304" pitchFamily="18" charset="0"/>
+              </a:rPr>
+              <a:t> </a:t>
+            </a:r>
+            <a:r>
+              <a:rPr lang="en-US" b="1" dirty="0" err="1" smtClean="0">
+                <a:latin typeface="Times New Roman" panose="02020603050405020304" pitchFamily="18" charset="0"/>
+                <a:cs typeface="Times New Roman" panose="02020603050405020304" pitchFamily="18" charset="0"/>
+              </a:rPr>
+              <a:t>lửa</a:t>
+            </a:r>
+            <a:r>
+              <a:rPr lang="en-US" b="1" dirty="0" smtClean="0">
+                <a:latin typeface="Times New Roman" panose="02020603050405020304" pitchFamily="18" charset="0"/>
+                <a:cs typeface="Times New Roman" panose="02020603050405020304" pitchFamily="18" charset="0"/>
+              </a:rPr>
+              <a:t> </a:t>
+            </a:r>
+            <a:r>
+              <a:rPr lang="en-US" b="1" dirty="0" err="1" smtClean="0">
+                <a:latin typeface="Times New Roman" panose="02020603050405020304" pitchFamily="18" charset="0"/>
+                <a:cs typeface="Times New Roman" panose="02020603050405020304" pitchFamily="18" charset="0"/>
+              </a:rPr>
+              <a:t>dễ</a:t>
+            </a:r>
+            <a:r>
+              <a:rPr lang="en-US" b="1" dirty="0" smtClean="0">
+                <a:latin typeface="Times New Roman" panose="02020603050405020304" pitchFamily="18" charset="0"/>
+                <a:cs typeface="Times New Roman" panose="02020603050405020304" pitchFamily="18" charset="0"/>
+              </a:rPr>
+              <a:t> </a:t>
+            </a:r>
+            <a:r>
+              <a:rPr lang="en-US" b="1" dirty="0" err="1" smtClean="0">
+                <a:latin typeface="Times New Roman" panose="02020603050405020304" pitchFamily="18" charset="0"/>
+                <a:cs typeface="Times New Roman" panose="02020603050405020304" pitchFamily="18" charset="0"/>
+              </a:rPr>
+              <a:t>dàng</a:t>
+            </a:r>
+            <a:r>
+              <a:rPr lang="en-US" b="1" dirty="0" smtClean="0">
+                <a:latin typeface="Times New Roman" panose="02020603050405020304" pitchFamily="18" charset="0"/>
+                <a:cs typeface="Times New Roman" panose="02020603050405020304" pitchFamily="18" charset="0"/>
+              </a:rPr>
+              <a:t> </a:t>
+            </a:r>
+            <a:r>
+              <a:rPr lang="en-US" b="1" dirty="0" err="1" smtClean="0">
+                <a:latin typeface="Times New Roman" panose="02020603050405020304" pitchFamily="18" charset="0"/>
+                <a:cs typeface="Times New Roman" panose="02020603050405020304" pitchFamily="18" charset="0"/>
+              </a:rPr>
+              <a:t>hơn</a:t>
+            </a:r>
+            <a:endParaRPr lang="en-US" b="1" dirty="0">
+              <a:latin typeface="Times New Roman" panose="02020603050405020304" pitchFamily="18" charset="0"/>
+              <a:cs typeface="Times New Roman" panose="02020603050405020304" pitchFamily="18" charset="0"/>
+            </a:endParaRPr>
           </a:p>
         </p:txBody>
       </p:sp>
@@ -9425,7 +10044,7 @@
                             </p:stCondLst>
                             <p:childTnLst>
                               <p:par>
-                                <p:cTn id="5" presetID="2" presetClass="entr" presetSubtype="4" fill="hold" nodeType="clickEffect">
+                                <p:cTn id="5" presetID="42" presetClass="entr" presetSubtype="0" fill="hold" nodeType="clickEffect">
                                   <p:stCondLst>
                                     <p:cond delay="0"/>
                                   </p:stCondLst>
@@ -9448,9 +10067,17 @@
                                         <p:strVal val="visible"/>
                                       </p:to>
                                     </p:set>
+                                    <p:animEffect transition="in" filter="fade">
+                                      <p:cBhvr>
+                                        <p:cTn id="7" dur="1000"/>
+                                        <p:tgtEl>
+                                          <p:spTgt spid="9"/>
+                                        </p:tgtEl>
+                                      </p:cBhvr>
+                                    </p:animEffect>
                                     <p:anim calcmode="lin" valueType="num">
-                                      <p:cBhvr additive="base">
-                                        <p:cTn id="7" dur="500" fill="hold"/>
+                                      <p:cBhvr>
+                                        <p:cTn id="8" dur="1000" fill="hold"/>
                                         <p:tgtEl>
                                           <p:spTgt spid="9"/>
                                         </p:tgtEl>
@@ -9472,8 +10099,8 @@
                                       </p:tavLst>
                                     </p:anim>
                                     <p:anim calcmode="lin" valueType="num">
-                                      <p:cBhvr additive="base">
-                                        <p:cTn id="8" dur="500" fill="hold"/>
+                                      <p:cBhvr>
+                                        <p:cTn id="9" dur="1000" fill="hold"/>
                                         <p:tgtEl>
                                           <p:spTgt spid="9"/>
                                         </p:tgtEl>
@@ -9484,7 +10111,7 @@
                                       <p:tavLst>
                                         <p:tav tm="0">
                                           <p:val>
-                                            <p:strVal val="1+#ppt_h/2"/>
+                                            <p:strVal val="#ppt_y+.1"/>
                                           </p:val>
                                         </p:tav>
                                         <p:tav tm="100000">
@@ -9498,14 +10125,14 @@
                                 </p:cTn>
                               </p:par>
                               <p:par>
-                                <p:cTn id="9" presetID="2" presetClass="entr" presetSubtype="4" fill="hold" nodeType="withEffect">
+                                <p:cTn id="10" presetID="42" presetClass="entr" presetSubtype="0" fill="hold" nodeType="withEffect">
                                   <p:stCondLst>
                                     <p:cond delay="0"/>
                                   </p:stCondLst>
                                   <p:childTnLst>
                                     <p:set>
                                       <p:cBhvr>
-                                        <p:cTn id="10" dur="1" fill="hold">
+                                        <p:cTn id="11" dur="1" fill="hold">
                                           <p:stCondLst>
                                             <p:cond delay="0"/>
                                           </p:stCondLst>
@@ -9521,9 +10148,17 @@
                                         <p:strVal val="visible"/>
                                       </p:to>
                                     </p:set>
+                                    <p:animEffect transition="in" filter="fade">
+                                      <p:cBhvr>
+                                        <p:cTn id="12" dur="1000"/>
+                                        <p:tgtEl>
+                                          <p:spTgt spid="10"/>
+                                        </p:tgtEl>
+                                      </p:cBhvr>
+                                    </p:animEffect>
                                     <p:anim calcmode="lin" valueType="num">
-                                      <p:cBhvr additive="base">
-                                        <p:cTn id="11" dur="500" fill="hold"/>
+                                      <p:cBhvr>
+                                        <p:cTn id="13" dur="1000" fill="hold"/>
                                         <p:tgtEl>
                                           <p:spTgt spid="10"/>
                                         </p:tgtEl>
@@ -9545,8 +10180,8 @@
                                       </p:tavLst>
                                     </p:anim>
                                     <p:anim calcmode="lin" valueType="num">
-                                      <p:cBhvr additive="base">
-                                        <p:cTn id="12" dur="500" fill="hold"/>
+                                      <p:cBhvr>
+                                        <p:cTn id="14" dur="1000" fill="hold"/>
                                         <p:tgtEl>
                                           <p:spTgt spid="10"/>
                                         </p:tgtEl>
@@ -9557,7 +10192,7 @@
                                       <p:tavLst>
                                         <p:tav tm="0">
                                           <p:val>
-                                            <p:strVal val="1+#ppt_h/2"/>
+                                            <p:strVal val="#ppt_y+.1"/>
                                           </p:val>
                                         </p:tav>
                                         <p:tav tm="100000">
@@ -9571,14 +10206,14 @@
                                 </p:cTn>
                               </p:par>
                               <p:par>
-                                <p:cTn id="13" presetID="2" presetClass="entr" presetSubtype="4" fill="hold" grpId="0" nodeType="withEffect">
+                                <p:cTn id="15" presetID="42" presetClass="entr" presetSubtype="0" fill="hold" grpId="0" nodeType="withEffect">
                                   <p:stCondLst>
                                     <p:cond delay="0"/>
                                   </p:stCondLst>
                                   <p:childTnLst>
                                     <p:set>
                                       <p:cBhvr>
-                                        <p:cTn id="14" dur="1" fill="hold">
+                                        <p:cTn id="16" dur="1" fill="hold">
                                           <p:stCondLst>
                                             <p:cond delay="0"/>
                                           </p:stCondLst>
@@ -9594,9 +10229,17 @@
                                         <p:strVal val="visible"/>
                                       </p:to>
                                     </p:set>
+                                    <p:animEffect transition="in" filter="fade">
+                                      <p:cBhvr>
+                                        <p:cTn id="17" dur="1000"/>
+                                        <p:tgtEl>
+                                          <p:spTgt spid="11"/>
+                                        </p:tgtEl>
+                                      </p:cBhvr>
+                                    </p:animEffect>
                                     <p:anim calcmode="lin" valueType="num">
-                                      <p:cBhvr additive="base">
-                                        <p:cTn id="15" dur="500" fill="hold"/>
+                                      <p:cBhvr>
+                                        <p:cTn id="18" dur="1000" fill="hold"/>
                                         <p:tgtEl>
                                           <p:spTgt spid="11"/>
                                         </p:tgtEl>
@@ -9618,8 +10261,8 @@
                                       </p:tavLst>
                                     </p:anim>
                                     <p:anim calcmode="lin" valueType="num">
-                                      <p:cBhvr additive="base">
-                                        <p:cTn id="16" dur="500" fill="hold"/>
+                                      <p:cBhvr>
+                                        <p:cTn id="19" dur="1000" fill="hold"/>
                                         <p:tgtEl>
                                           <p:spTgt spid="11"/>
                                         </p:tgtEl>
@@ -9630,7 +10273,7 @@
                                       <p:tavLst>
                                         <p:tav tm="0">
                                           <p:val>
-                                            <p:strVal val="1+#ppt_h/2"/>
+                                            <p:strVal val="#ppt_y+.1"/>
                                           </p:val>
                                         </p:tav>
                                         <p:tav tm="100000">
@@ -9650,26 +10293,26 @@
                     </p:cTn>
                   </p:par>
                   <p:par>
-                    <p:cTn id="17" fill="hold">
+                    <p:cTn id="20" fill="hold">
                       <p:stCondLst>
                         <p:cond delay="indefinite"/>
                       </p:stCondLst>
                       <p:childTnLst>
                         <p:par>
-                          <p:cTn id="18" fill="hold">
+                          <p:cTn id="21" fill="hold">
                             <p:stCondLst>
                               <p:cond delay="0"/>
                             </p:stCondLst>
                             <p:childTnLst>
                               <p:par>
-                                <p:cTn id="19" presetID="10" presetClass="entr" presetSubtype="0" fill="hold" grpId="0" nodeType="clickEffect">
+                                <p:cTn id="22" presetID="1" presetClass="entr" presetSubtype="0" fill="hold" grpId="0" nodeType="clickEffect">
                                   <p:stCondLst>
                                     <p:cond delay="0"/>
                                   </p:stCondLst>
                                   <p:childTnLst>
                                     <p:set>
                                       <p:cBhvr>
-                                        <p:cTn id="20" dur="1" fill="hold">
+                                        <p:cTn id="23" dur="1" fill="hold">
                                           <p:stCondLst>
                                             <p:cond delay="0"/>
                                           </p:stCondLst>
@@ -9685,14 +10328,33 @@
                                         <p:strVal val="visible"/>
                                       </p:to>
                                     </p:set>
-                                    <p:animEffect transition="in" filter="fade">
+                                  </p:childTnLst>
+                                </p:cTn>
+                              </p:par>
+                              <p:par>
+                                <p:cTn id="24" presetID="1" presetClass="entr" presetSubtype="0" fill="hold" nodeType="withEffect">
+                                  <p:stCondLst>
+                                    <p:cond delay="0"/>
+                                  </p:stCondLst>
+                                  <p:childTnLst>
+                                    <p:set>
                                       <p:cBhvr>
-                                        <p:cTn id="21" dur="500"/>
+                                        <p:cTn id="25" dur="1" fill="hold">
+                                          <p:stCondLst>
+                                            <p:cond delay="0"/>
+                                          </p:stCondLst>
+                                        </p:cTn>
                                         <p:tgtEl>
-                                          <p:spTgt spid="7"/>
+                                          <p:spTgt spid="6"/>
                                         </p:tgtEl>
+                                        <p:attrNameLst>
+                                          <p:attrName>style.visibility</p:attrName>
+                                        </p:attrNameLst>
                                       </p:cBhvr>
-                                    </p:animEffect>
+                                      <p:to>
+                                        <p:strVal val="visible"/>
+                                      </p:to>
+                                    </p:set>
                                   </p:childTnLst>
                                 </p:cTn>
                               </p:par>
@@ -9703,26 +10365,26 @@
                     </p:cTn>
                   </p:par>
                   <p:par>
-                    <p:cTn id="22" fill="hold">
+                    <p:cTn id="26" fill="hold">
                       <p:stCondLst>
                         <p:cond delay="indefinite"/>
                       </p:stCondLst>
                       <p:childTnLst>
                         <p:par>
-                          <p:cTn id="23" fill="hold">
+                          <p:cTn id="27" fill="hold">
                             <p:stCondLst>
                               <p:cond delay="0"/>
                             </p:stCondLst>
                             <p:childTnLst>
                               <p:par>
-                                <p:cTn id="24" presetID="10" presetClass="entr" presetSubtype="0" fill="hold" grpId="0" nodeType="clickEffect">
+                                <p:cTn id="28" presetID="10" presetClass="entr" presetSubtype="0" fill="hold" grpId="0" nodeType="clickEffect">
                                   <p:stCondLst>
                                     <p:cond delay="0"/>
                                   </p:stCondLst>
                                   <p:childTnLst>
                                     <p:set>
                                       <p:cBhvr>
-                                        <p:cTn id="25" dur="1" fill="hold">
+                                        <p:cTn id="29" dur="1" fill="hold">
                                           <p:stCondLst>
                                             <p:cond delay="0"/>
                                           </p:stCondLst>
@@ -9740,9 +10402,97 @@
                                     </p:set>
                                     <p:animEffect transition="in" filter="fade">
                                       <p:cBhvr>
-                                        <p:cTn id="26" dur="500"/>
+                                        <p:cTn id="30" dur="500"/>
                                         <p:tgtEl>
                                           <p:spTgt spid="12"/>
+                                        </p:tgtEl>
+                                      </p:cBhvr>
+                                    </p:animEffect>
+                                  </p:childTnLst>
+                                </p:cTn>
+                              </p:par>
+                            </p:childTnLst>
+                          </p:cTn>
+                        </p:par>
+                      </p:childTnLst>
+                    </p:cTn>
+                  </p:par>
+                  <p:par>
+                    <p:cTn id="31" fill="hold">
+                      <p:stCondLst>
+                        <p:cond delay="indefinite"/>
+                      </p:stCondLst>
+                      <p:childTnLst>
+                        <p:par>
+                          <p:cTn id="32" fill="hold">
+                            <p:stCondLst>
+                              <p:cond delay="0"/>
+                            </p:stCondLst>
+                            <p:childTnLst>
+                              <p:par>
+                                <p:cTn id="33" presetID="10" presetClass="entr" presetSubtype="0" fill="hold" nodeType="clickEffect">
+                                  <p:stCondLst>
+                                    <p:cond delay="0"/>
+                                  </p:stCondLst>
+                                  <p:childTnLst>
+                                    <p:set>
+                                      <p:cBhvr>
+                                        <p:cTn id="34" dur="1" fill="hold">
+                                          <p:stCondLst>
+                                            <p:cond delay="0"/>
+                                          </p:stCondLst>
+                                        </p:cTn>
+                                        <p:tgtEl>
+                                          <p:spTgt spid="13"/>
+                                        </p:tgtEl>
+                                        <p:attrNameLst>
+                                          <p:attrName>style.visibility</p:attrName>
+                                        </p:attrNameLst>
+                                      </p:cBhvr>
+                                      <p:to>
+                                        <p:strVal val="visible"/>
+                                      </p:to>
+                                    </p:set>
+                                    <p:animEffect transition="in" filter="fade">
+                                      <p:cBhvr>
+                                        <p:cTn id="35" dur="500"/>
+                                        <p:tgtEl>
+                                          <p:spTgt spid="13"/>
+                                        </p:tgtEl>
+                                      </p:cBhvr>
+                                    </p:animEffect>
+                                  </p:childTnLst>
+                                </p:cTn>
+                              </p:par>
+                              <p:par>
+                                <p:cTn id="36" presetID="10" presetClass="entr" presetSubtype="0" fill="hold" grpId="0" nodeType="withEffect">
+                                  <p:stCondLst>
+                                    <p:cond delay="0"/>
+                                  </p:stCondLst>
+                                  <p:childTnLst>
+                                    <p:set>
+                                      <p:cBhvr>
+                                        <p:cTn id="37" dur="1" fill="hold">
+                                          <p:stCondLst>
+                                            <p:cond delay="0"/>
+                                          </p:stCondLst>
+                                        </p:cTn>
+                                        <p:tgtEl>
+                                          <p:spTgt spid="14"/>
+                                        </p:tgtEl>
+                                        <p:attrNameLst>
+                                          <p:attrName>style.visibility</p:attrName>
+                                        </p:attrNameLst>
+                                      </p:cBhvr>
+                                      <p:to>
+                                        <p:strVal val="visible"/>
+                                      </p:to>
+                                    </p:set>
+                                    <p:animEffect transition="in" filter="fade">
+                                      <p:cBhvr>
+                                        <p:cTn id="38" dur="500"/>
+                                        <p:tgtEl>
+                                          <p:spTgt spid="14"/>
                                         </p:tgtEl>
                                       </p:cBhvr>
                                     </p:animEffect>
@@ -9780,6 +10530,7 @@
       <p:bldP spid="11" grpId="0"/>
       <p:bldP spid="12" grpId="0" animBg="1"/>
       <p:bldP spid="7" grpId="0" animBg="1"/>
+      <p:bldP spid="14" grpId="0"/>
     </p:bldLst>
   </p:timing>
 </p:sld>
@@ -9903,7 +10654,14 @@
                 <a:latin typeface="Times New Roman" pitchFamily="18" charset="0"/>
                 <a:cs typeface="Times New Roman" pitchFamily="18" charset="0"/>
               </a:rPr>
-              <a:t>     The </a:t>
+              <a:t>     </a:t>
+            </a:r>
+            <a:r>
+              <a:rPr lang="en-US" dirty="0" smtClean="0">
+                <a:latin typeface="Times New Roman" pitchFamily="18" charset="0"/>
+                <a:cs typeface="Times New Roman" pitchFamily="18" charset="0"/>
+              </a:rPr>
+              <a:t>In 1905, the </a:t>
             </a:r>
             <a:r>
               <a:rPr lang="en-US" dirty="0">
@@ -10108,7 +10866,14 @@
                 <a:latin typeface="Times New Roman" pitchFamily="18" charset="0"/>
                 <a:cs typeface="Times New Roman" pitchFamily="18" charset="0"/>
               </a:rPr>
-              <a:t>vacuum phototube </a:t>
+              <a:t>vacuum </a:t>
+            </a:r>
+            <a:r>
+              <a:rPr lang="en-US" b="1" dirty="0" smtClean="0">
+                <a:latin typeface="Times New Roman" pitchFamily="18" charset="0"/>
+                <a:cs typeface="Times New Roman" pitchFamily="18" charset="0"/>
+              </a:rPr>
+              <a:t>photo-tube </a:t>
             </a:r>
             <a:r>
               <a:rPr lang="en-US" dirty="0">
@@ -11023,8 +11788,8 @@
         </p:nvSpPr>
         <p:spPr>
           <a:xfrm>
-            <a:off x="1143000" y="2637724"/>
-            <a:ext cx="6858000" cy="1655762"/>
+            <a:off x="843971" y="3030136"/>
+            <a:ext cx="7456055" cy="1655762"/>
           </a:xfrm>
         </p:spPr>
         <p:txBody>
@@ -11060,6 +11825,36 @@
           </a:p>
         </p:txBody>
       </p:sp>
+      <p:pic>
+        <p:nvPicPr>
+          <p:cNvPr id="4" name="Picture 3"/>
+          <p:cNvPicPr>
+            <a:picLocks noChangeAspect="1"/>
+          </p:cNvPicPr>
+          <p:nvPr/>
+        </p:nvPicPr>
+        <p:blipFill>
+          <a:blip r:embed="rId2">
+            <a:extLst>
+              <a:ext uri="{28A0092B-C50C-407E-A947-70E740481C1C}">
+                <a14:useLocalDpi xmlns:a14="http://schemas.microsoft.com/office/drawing/2010/main" val="0"/>
+              </a:ext>
+            </a:extLst>
+          </a:blip>
+          <a:stretch>
+            <a:fillRect/>
+          </a:stretch>
+        </p:blipFill>
+        <p:spPr>
+          <a:xfrm>
+            <a:off x="2809874" y="1619415"/>
+            <a:ext cx="3524250" cy="1295400"/>
+          </a:xfrm>
+          <a:prstGeom prst="rect">
+            <a:avLst/>
+          </a:prstGeom>
+        </p:spPr>
+      </p:pic>
     </p:spTree>
     <p:extLst>
       <p:ext uri="{BB962C8B-B14F-4D97-AF65-F5344CB8AC3E}">
